--- a/10-Design/Design.pptx
+++ b/10-Design/Design.pptx
@@ -253,7 +253,7 @@
           <a:p>
             <a:fld id="{BD0965A1-D87D-4C97-BB5C-39A282334C3A}" type="datetimeFigureOut">
               <a:rPr lang="ru-RU" smtClean="0"/>
-              <a:t>29.06.2014</a:t>
+              <a:t>03.07.2014</a:t>
             </a:fld>
             <a:endParaRPr lang="ru-RU"/>
           </a:p>
@@ -700,62 +700,20 @@
         </p:nvSpPr>
         <p:spPr/>
         <p:txBody>
-          <a:bodyPr>
-            <a:normAutofit/>
-          </a:bodyPr>
+          <a:bodyPr/>
           <a:lstStyle/>
           <a:p>
-            <a:pPr marL="228600" indent="-228600">
-              <a:buAutoNum type="arabicPeriod"/>
-            </a:pPr>
-            <a:r>
-              <a:rPr lang="ru-RU" baseline="0" dirty="0" smtClean="0"/>
-              <a:t>За гибкость надо платить структурной сложностью. :-(</a:t>
-            </a:r>
-          </a:p>
-          <a:p>
-            <a:pPr marL="228600" indent="-228600">
-              <a:buAutoNum type="arabicPeriod"/>
-            </a:pPr>
-            <a:r>
-              <a:rPr lang="ru-RU" baseline="0" dirty="0" smtClean="0"/>
-              <a:t>Где скрываются все операторы </a:t>
-            </a:r>
-            <a:r>
-              <a:rPr lang="en-US" baseline="0" dirty="0" smtClean="0"/>
-              <a:t>new</a:t>
-            </a:r>
-            <a:r>
-              <a:rPr lang="ru-RU" baseline="0" dirty="0" smtClean="0"/>
-              <a:t>?</a:t>
-            </a:r>
-          </a:p>
-          <a:p>
-            <a:pPr marL="228600" indent="-228600">
-              <a:buAutoNum type="arabicPeriod"/>
-            </a:pPr>
-            <a:r>
-              <a:rPr lang="ru-RU" sz="1200" b="0" i="0" kern="1200" dirty="0" smtClean="0">
-                <a:solidFill>
-                  <a:schemeClr val="tx1"/>
-                </a:solidFill>
-                <a:latin typeface="+mn-lt"/>
-                <a:ea typeface="+mn-ea"/>
-                <a:cs typeface="+mn-cs"/>
-              </a:rPr>
-              <a:t>Без умения создавать стабильные интерфейсы это не работает</a:t>
-            </a:r>
-            <a:r>
-              <a:rPr lang="ru-RU" sz="1200" b="0" i="0" kern="1200" baseline="0" dirty="0" smtClean="0">
-                <a:solidFill>
-                  <a:schemeClr val="tx1"/>
-                </a:solidFill>
-                <a:latin typeface="+mn-lt"/>
-                <a:ea typeface="+mn-ea"/>
-                <a:cs typeface="+mn-cs"/>
-              </a:rPr>
-              <a:t> :(</a:t>
-            </a:r>
+            <a:r>
+              <a:rPr lang="en-US" dirty="0" smtClean="0"/>
+              <a:t>32 </a:t>
+            </a:r>
+            <a:r>
+              <a:rPr lang="ru-RU" dirty="0" smtClean="0"/>
+              <a:t>мин</a:t>
+            </a:r>
+          </a:p>
+          <a:p>
+            <a:endParaRPr lang="ru-RU" dirty="0"/>
           </a:p>
         </p:txBody>
       </p:sp>
@@ -774,16 +732,20 @@
           <a:bodyPr/>
           <a:lstStyle/>
           <a:p>
-            <a:fld id="{89329285-B0FC-44C9-9749-E258C7AB2264}" type="slidenum">
+            <a:fld id="{157BF7B5-07FD-41C6-B52E-88FFB2493B6A}" type="slidenum">
               <a:rPr lang="ru-RU" smtClean="0"/>
-              <a:pPr/>
-              <a:t>26</a:t>
+              <a:t>24</a:t>
             </a:fld>
             <a:endParaRPr lang="ru-RU"/>
           </a:p>
         </p:txBody>
       </p:sp>
     </p:spTree>
+    <p:extLst>
+      <p:ext uri="{BB962C8B-B14F-4D97-AF65-F5344CB8AC3E}">
+        <p14:creationId xmlns:p14="http://schemas.microsoft.com/office/powerpoint/2010/main" val="4055840239"/>
+      </p:ext>
+    </p:extLst>
   </p:cSld>
   <p:clrMapOvr>
     <a:masterClrMapping/>
@@ -838,13 +800,56 @@
           <a:lstStyle/>
           <a:p>
             <a:pPr marL="228600" indent="-228600">
-              <a:buNone/>
+              <a:buAutoNum type="arabicPeriod"/>
             </a:pPr>
             <a:r>
-              <a:rPr lang="ru-RU" dirty="0" smtClean="0"/>
-              <a:t>1</a:t>
-            </a:r>
-            <a:endParaRPr lang="ru-RU" dirty="0"/>
+              <a:rPr lang="ru-RU" baseline="0" dirty="0" smtClean="0"/>
+              <a:t>За гибкость надо платить структурной сложностью. :-(</a:t>
+            </a:r>
+          </a:p>
+          <a:p>
+            <a:pPr marL="228600" indent="-228600">
+              <a:buAutoNum type="arabicPeriod"/>
+            </a:pPr>
+            <a:r>
+              <a:rPr lang="ru-RU" baseline="0" dirty="0" smtClean="0"/>
+              <a:t>Где скрываются все операторы </a:t>
+            </a:r>
+            <a:r>
+              <a:rPr lang="en-US" baseline="0" dirty="0" smtClean="0"/>
+              <a:t>new</a:t>
+            </a:r>
+            <a:r>
+              <a:rPr lang="ru-RU" baseline="0" dirty="0" smtClean="0"/>
+              <a:t>?</a:t>
+            </a:r>
+          </a:p>
+          <a:p>
+            <a:pPr marL="228600" indent="-228600">
+              <a:buAutoNum type="arabicPeriod"/>
+            </a:pPr>
+            <a:r>
+              <a:rPr lang="ru-RU" sz="1200" b="0" i="0" kern="1200" dirty="0" smtClean="0">
+                <a:solidFill>
+                  <a:schemeClr val="tx1"/>
+                </a:solidFill>
+                <a:latin typeface="+mn-lt"/>
+                <a:ea typeface="+mn-ea"/>
+                <a:cs typeface="+mn-cs"/>
+              </a:rPr>
+              <a:t>Без умения создавать стабильные интерфейсы это не работает</a:t>
+            </a:r>
+            <a:r>
+              <a:rPr lang="ru-RU" sz="1200" b="0" i="0" kern="1200" baseline="0" dirty="0" smtClean="0">
+                <a:solidFill>
+                  <a:schemeClr val="tx1"/>
+                </a:solidFill>
+                <a:latin typeface="+mn-lt"/>
+                <a:ea typeface="+mn-ea"/>
+                <a:cs typeface="+mn-cs"/>
+              </a:rPr>
+              <a:t> :(</a:t>
+            </a:r>
           </a:p>
         </p:txBody>
       </p:sp>
@@ -866,7 +871,7 @@
             <a:fld id="{89329285-B0FC-44C9-9749-E258C7AB2264}" type="slidenum">
               <a:rPr lang="ru-RU" smtClean="0"/>
               <a:pPr/>
-              <a:t>27</a:t>
+              <a:t>26</a:t>
             </a:fld>
             <a:endParaRPr lang="ru-RU"/>
           </a:p>
@@ -926,6 +931,9 @@
           </a:bodyPr>
           <a:lstStyle/>
           <a:p>
+            <a:pPr marL="228600" indent="-228600">
+              <a:buNone/>
+            </a:pPr>
             <a:r>
               <a:rPr lang="ru-RU" dirty="0" smtClean="0"/>
               <a:t>1</a:t>
@@ -952,7 +960,7 @@
             <a:fld id="{89329285-B0FC-44C9-9749-E258C7AB2264}" type="slidenum">
               <a:rPr lang="ru-RU" smtClean="0"/>
               <a:pPr/>
-              <a:t>41</a:t>
+              <a:t>27</a:t>
             </a:fld>
             <a:endParaRPr lang="ru-RU"/>
           </a:p>
@@ -1038,7 +1046,7 @@
             <a:fld id="{89329285-B0FC-44C9-9749-E258C7AB2264}" type="slidenum">
               <a:rPr lang="ru-RU" smtClean="0"/>
               <a:pPr/>
-              <a:t>43</a:t>
+              <a:t>41</a:t>
             </a:fld>
             <a:endParaRPr lang="ru-RU"/>
           </a:p>
@@ -1093,12 +1101,14 @@
         </p:nvSpPr>
         <p:spPr/>
         <p:txBody>
-          <a:bodyPr/>
+          <a:bodyPr>
+            <a:normAutofit/>
+          </a:bodyPr>
           <a:lstStyle/>
           <a:p>
             <a:r>
-              <a:rPr lang="en-US" dirty="0" smtClean="0"/>
-              <a:t>60</a:t>
+              <a:rPr lang="ru-RU" dirty="0" smtClean="0"/>
+              <a:t>1</a:t>
             </a:r>
             <a:endParaRPr lang="ru-RU" dirty="0"/>
           </a:p>
@@ -1119,20 +1129,16 @@
           <a:bodyPr/>
           <a:lstStyle/>
           <a:p>
-            <a:fld id="{157BF7B5-07FD-41C6-B52E-88FFB2493B6A}" type="slidenum">
+            <a:fld id="{89329285-B0FC-44C9-9749-E258C7AB2264}" type="slidenum">
               <a:rPr lang="ru-RU" smtClean="0"/>
-              <a:t>45</a:t>
+              <a:pPr/>
+              <a:t>43</a:t>
             </a:fld>
             <a:endParaRPr lang="ru-RU"/>
           </a:p>
         </p:txBody>
       </p:sp>
     </p:spTree>
-    <p:extLst>
-      <p:ext uri="{BB962C8B-B14F-4D97-AF65-F5344CB8AC3E}">
-        <p14:creationId xmlns:p14="http://schemas.microsoft.com/office/powerpoint/2010/main" val="3735311457"/>
-      </p:ext>
-    </p:extLst>
   </p:cSld>
   <p:clrMapOvr>
     <a:masterClrMapping/>
@@ -1185,12 +1191,8 @@
           <a:lstStyle/>
           <a:p>
             <a:r>
-              <a:rPr lang="ru-RU" dirty="0" smtClean="0"/>
-              <a:t>Конкретно тут,</a:t>
-            </a:r>
-            <a:r>
-              <a:rPr lang="ru-RU" baseline="0" dirty="0" smtClean="0"/>
-              <a:t> полная проверка контракта — это перебор. </a:t>
+              <a:rPr lang="en-US" dirty="0" smtClean="0"/>
+              <a:t>60</a:t>
             </a:r>
             <a:endParaRPr lang="ru-RU" dirty="0"/>
           </a:p>
@@ -1213,7 +1215,7 @@
           <a:p>
             <a:fld id="{157BF7B5-07FD-41C6-B52E-88FFB2493B6A}" type="slidenum">
               <a:rPr lang="ru-RU" smtClean="0"/>
-              <a:t>46</a:t>
+              <a:t>45</a:t>
             </a:fld>
             <a:endParaRPr lang="ru-RU"/>
           </a:p>
@@ -1222,7 +1224,7 @@
     </p:spTree>
     <p:extLst>
       <p:ext uri="{BB962C8B-B14F-4D97-AF65-F5344CB8AC3E}">
-        <p14:creationId xmlns:p14="http://schemas.microsoft.com/office/powerpoint/2010/main" val="2121435770"/>
+        <p14:creationId xmlns:p14="http://schemas.microsoft.com/office/powerpoint/2010/main" val="3735311457"/>
       </p:ext>
     </p:extLst>
   </p:cSld>
@@ -1273,14 +1275,16 @@
         </p:nvSpPr>
         <p:spPr/>
         <p:txBody>
-          <a:bodyPr>
-            <a:normAutofit/>
-          </a:bodyPr>
+          <a:bodyPr/>
           <a:lstStyle/>
           <a:p>
             <a:r>
               <a:rPr lang="ru-RU" dirty="0" smtClean="0"/>
-              <a:t>1</a:t>
+              <a:t>Конкретно тут,</a:t>
+            </a:r>
+            <a:r>
+              <a:rPr lang="ru-RU" baseline="0" dirty="0" smtClean="0"/>
+              <a:t> полная проверка контракта — это перебор. </a:t>
             </a:r>
             <a:endParaRPr lang="ru-RU" dirty="0"/>
           </a:p>
@@ -1301,6 +1305,96 @@
           <a:bodyPr/>
           <a:lstStyle/>
           <a:p>
+            <a:fld id="{157BF7B5-07FD-41C6-B52E-88FFB2493B6A}" type="slidenum">
+              <a:rPr lang="ru-RU" smtClean="0"/>
+              <a:t>46</a:t>
+            </a:fld>
+            <a:endParaRPr lang="ru-RU"/>
+          </a:p>
+        </p:txBody>
+      </p:sp>
+    </p:spTree>
+    <p:extLst>
+      <p:ext uri="{BB962C8B-B14F-4D97-AF65-F5344CB8AC3E}">
+        <p14:creationId xmlns:p14="http://schemas.microsoft.com/office/powerpoint/2010/main" val="2121435770"/>
+      </p:ext>
+    </p:extLst>
+  </p:cSld>
+  <p:clrMapOvr>
+    <a:masterClrMapping/>
+  </p:clrMapOvr>
+</p:notes>
+</file>
+
+<file path=ppt/notesSlides/notesSlide17.xml><?xml version="1.0" encoding="utf-8"?>
+<p:notes xmlns:a="http://schemas.openxmlformats.org/drawingml/2006/main" xmlns:r="http://schemas.openxmlformats.org/officeDocument/2006/relationships" xmlns:p="http://schemas.openxmlformats.org/presentationml/2006/main">
+  <p:cSld>
+    <p:spTree>
+      <p:nvGrpSpPr>
+        <p:cNvPr id="1" name=""/>
+        <p:cNvGrpSpPr/>
+        <p:nvPr/>
+      </p:nvGrpSpPr>
+      <p:grpSpPr>
+        <a:xfrm>
+          <a:off x="0" y="0"/>
+          <a:ext cx="0" cy="0"/>
+          <a:chOff x="0" y="0"/>
+          <a:chExt cx="0" cy="0"/>
+        </a:xfrm>
+      </p:grpSpPr>
+      <p:sp>
+        <p:nvSpPr>
+          <p:cNvPr id="2" name="Образ слайда 1"/>
+          <p:cNvSpPr>
+            <a:spLocks noGrp="1" noRot="1" noChangeAspect="1"/>
+          </p:cNvSpPr>
+          <p:nvPr>
+            <p:ph type="sldImg"/>
+          </p:nvPr>
+        </p:nvSpPr>
+        <p:spPr/>
+      </p:sp>
+      <p:sp>
+        <p:nvSpPr>
+          <p:cNvPr id="3" name="Заметки 2"/>
+          <p:cNvSpPr>
+            <a:spLocks noGrp="1"/>
+          </p:cNvSpPr>
+          <p:nvPr>
+            <p:ph type="body" idx="1"/>
+          </p:nvPr>
+        </p:nvSpPr>
+        <p:spPr/>
+        <p:txBody>
+          <a:bodyPr>
+            <a:normAutofit/>
+          </a:bodyPr>
+          <a:lstStyle/>
+          <a:p>
+            <a:r>
+              <a:rPr lang="ru-RU" dirty="0" smtClean="0"/>
+              <a:t>1</a:t>
+            </a:r>
+            <a:endParaRPr lang="ru-RU" dirty="0"/>
+          </a:p>
+        </p:txBody>
+      </p:sp>
+      <p:sp>
+        <p:nvSpPr>
+          <p:cNvPr id="4" name="Номер слайда 3"/>
+          <p:cNvSpPr>
+            <a:spLocks noGrp="1"/>
+          </p:cNvSpPr>
+          <p:nvPr>
+            <p:ph type="sldNum" sz="quarter" idx="10"/>
+          </p:nvPr>
+        </p:nvSpPr>
+        <p:spPr/>
+        <p:txBody>
+          <a:bodyPr/>
+          <a:lstStyle/>
+          <a:p>
             <a:fld id="{89329285-B0FC-44C9-9749-E258C7AB2264}" type="slidenum">
               <a:rPr lang="ru-RU" smtClean="0"/>
               <a:pPr/>
@@ -1318,7 +1412,7 @@
 </p:notes>
 </file>
 
-<file path=ppt/notesSlides/notesSlide17.xml><?xml version="1.0" encoding="utf-8"?>
+<file path=ppt/notesSlides/notesSlide18.xml><?xml version="1.0" encoding="utf-8"?>
 <p:notes xmlns:a="http://schemas.openxmlformats.org/drawingml/2006/main" xmlns:r="http://schemas.openxmlformats.org/officeDocument/2006/relationships" xmlns:p="http://schemas.openxmlformats.org/presentationml/2006/main">
   <p:cSld>
     <p:spTree>
@@ -1529,59 +1623,10 @@
         </p:nvSpPr>
         <p:spPr/>
         <p:txBody>
-          <a:bodyPr>
-            <a:normAutofit/>
-          </a:bodyPr>
+          <a:bodyPr/>
           <a:lstStyle/>
           <a:p>
-            <a:r>
-              <a:rPr lang="ru-RU" sz="1200" b="0" i="0" kern="1200" dirty="0" smtClean="0">
-                <a:solidFill>
-                  <a:schemeClr val="tx1"/>
-                </a:solidFill>
-                <a:latin typeface="+mn-lt"/>
-                <a:ea typeface="+mn-ea"/>
-                <a:cs typeface="+mn-cs"/>
-              </a:rPr>
-              <a:t>хрупкость — коварная жесткость</a:t>
-            </a:r>
-          </a:p>
-          <a:p>
-            <a:r>
-              <a:rPr lang="ru-RU" sz="1200" b="0" i="0" kern="1200" dirty="0" err="1" smtClean="0">
-                <a:solidFill>
-                  <a:schemeClr val="tx1"/>
-                </a:solidFill>
-                <a:latin typeface="+mn-lt"/>
-                <a:ea typeface="+mn-ea"/>
-                <a:cs typeface="+mn-cs"/>
-              </a:rPr>
-              <a:t>немобильность</a:t>
-            </a:r>
-            <a:r>
-              <a:rPr lang="ru-RU" sz="1200" b="0" i="0" kern="1200" dirty="0" smtClean="0">
-                <a:solidFill>
-                  <a:schemeClr val="tx1"/>
-                </a:solidFill>
-                <a:latin typeface="+mn-lt"/>
-                <a:ea typeface="+mn-ea"/>
-                <a:cs typeface="+mn-cs"/>
-              </a:rPr>
-              <a:t> — жесткость, вид сбоку.</a:t>
-            </a:r>
-          </a:p>
-          <a:p>
-            <a:r>
-              <a:rPr lang="ru-RU" sz="1200" b="0" i="0" kern="1200" dirty="0" smtClean="0">
-                <a:solidFill>
-                  <a:schemeClr val="tx1"/>
-                </a:solidFill>
-                <a:latin typeface="+mn-lt"/>
-                <a:ea typeface="+mn-ea"/>
-                <a:cs typeface="+mn-cs"/>
-              </a:rPr>
-              <a:t>4</a:t>
-            </a:r>
+            <a:endParaRPr lang="ru-RU" dirty="0"/>
           </a:p>
         </p:txBody>
       </p:sp>
@@ -1600,16 +1645,20 @@
           <a:bodyPr/>
           <a:lstStyle/>
           <a:p>
-            <a:fld id="{89329285-B0FC-44C9-9749-E258C7AB2264}" type="slidenum">
+            <a:fld id="{157BF7B5-07FD-41C6-B52E-88FFB2493B6A}" type="slidenum">
               <a:rPr lang="ru-RU" smtClean="0"/>
-              <a:pPr/>
-              <a:t>7</a:t>
+              <a:t>6</a:t>
             </a:fld>
             <a:endParaRPr lang="ru-RU"/>
           </a:p>
         </p:txBody>
       </p:sp>
     </p:spTree>
+    <p:extLst>
+      <p:ext uri="{BB962C8B-B14F-4D97-AF65-F5344CB8AC3E}">
+        <p14:creationId xmlns:p14="http://schemas.microsoft.com/office/powerpoint/2010/main" val="2780701250"/>
+      </p:ext>
+    </p:extLst>
   </p:cSld>
   <p:clrMapOvr>
     <a:masterClrMapping/>
@@ -1664,10 +1713,53 @@
           <a:lstStyle/>
           <a:p>
             <a:r>
-              <a:rPr lang="ru-RU" dirty="0" smtClean="0"/>
-              <a:t>1</a:t>
-            </a:r>
-            <a:endParaRPr lang="ru-RU" dirty="0"/>
+              <a:rPr lang="ru-RU" sz="1200" b="0" i="0" kern="1200" dirty="0" smtClean="0">
+                <a:solidFill>
+                  <a:schemeClr val="tx1"/>
+                </a:solidFill>
+                <a:latin typeface="+mn-lt"/>
+                <a:ea typeface="+mn-ea"/>
+                <a:cs typeface="+mn-cs"/>
+              </a:rPr>
+              <a:t>хрупкость — коварная жесткость</a:t>
+            </a:r>
+          </a:p>
+          <a:p>
+            <a:r>
+              <a:rPr lang="ru-RU" sz="1200" b="0" i="0" kern="1200" dirty="0" err="1" smtClean="0">
+                <a:solidFill>
+                  <a:schemeClr val="tx1"/>
+                </a:solidFill>
+                <a:latin typeface="+mn-lt"/>
+                <a:ea typeface="+mn-ea"/>
+                <a:cs typeface="+mn-cs"/>
+              </a:rPr>
+              <a:t>немобильность</a:t>
+            </a:r>
+            <a:r>
+              <a:rPr lang="ru-RU" sz="1200" b="0" i="0" kern="1200" dirty="0" smtClean="0">
+                <a:solidFill>
+                  <a:schemeClr val="tx1"/>
+                </a:solidFill>
+                <a:latin typeface="+mn-lt"/>
+                <a:ea typeface="+mn-ea"/>
+                <a:cs typeface="+mn-cs"/>
+              </a:rPr>
+              <a:t> — жесткость, вид сбоку.</a:t>
+            </a:r>
+          </a:p>
+          <a:p>
+            <a:r>
+              <a:rPr lang="ru-RU" sz="1200" b="0" i="0" kern="1200" dirty="0" smtClean="0">
+                <a:solidFill>
+                  <a:schemeClr val="tx1"/>
+                </a:solidFill>
+                <a:latin typeface="+mn-lt"/>
+                <a:ea typeface="+mn-ea"/>
+                <a:cs typeface="+mn-cs"/>
+              </a:rPr>
+              <a:t>4</a:t>
+            </a:r>
           </a:p>
         </p:txBody>
       </p:sp>
@@ -1689,7 +1781,7 @@
             <a:fld id="{89329285-B0FC-44C9-9749-E258C7AB2264}" type="slidenum">
               <a:rPr lang="ru-RU" smtClean="0"/>
               <a:pPr/>
-              <a:t>9</a:t>
+              <a:t>7</a:t>
             </a:fld>
             <a:endParaRPr lang="ru-RU"/>
           </a:p>
@@ -1775,7 +1867,7 @@
             <a:fld id="{89329285-B0FC-44C9-9749-E258C7AB2264}" type="slidenum">
               <a:rPr lang="ru-RU" smtClean="0"/>
               <a:pPr/>
-              <a:t>10</a:t>
+              <a:t>9</a:t>
             </a:fld>
             <a:endParaRPr lang="ru-RU"/>
           </a:p>
@@ -1830,16 +1922,14 @@
         </p:nvSpPr>
         <p:spPr/>
         <p:txBody>
-          <a:bodyPr/>
+          <a:bodyPr>
+            <a:normAutofit/>
+          </a:bodyPr>
           <a:lstStyle/>
           <a:p>
             <a:r>
               <a:rPr lang="ru-RU" dirty="0" smtClean="0"/>
-              <a:t>Конечный</a:t>
-            </a:r>
-            <a:r>
-              <a:rPr lang="ru-RU" baseline="0" dirty="0" smtClean="0"/>
-              <a:t> автомат</a:t>
+              <a:t>1</a:t>
             </a:r>
             <a:endParaRPr lang="ru-RU" dirty="0"/>
           </a:p>
@@ -1860,20 +1950,16 @@
           <a:bodyPr/>
           <a:lstStyle/>
           <a:p>
-            <a:fld id="{157BF7B5-07FD-41C6-B52E-88FFB2493B6A}" type="slidenum">
+            <a:fld id="{89329285-B0FC-44C9-9749-E258C7AB2264}" type="slidenum">
               <a:rPr lang="ru-RU" smtClean="0"/>
-              <a:t>13</a:t>
+              <a:pPr/>
+              <a:t>10</a:t>
             </a:fld>
             <a:endParaRPr lang="ru-RU"/>
           </a:p>
         </p:txBody>
       </p:sp>
     </p:spTree>
-    <p:extLst>
-      <p:ext uri="{BB962C8B-B14F-4D97-AF65-F5344CB8AC3E}">
-        <p14:creationId xmlns:p14="http://schemas.microsoft.com/office/powerpoint/2010/main" val="4038262181"/>
-      </p:ext>
-    </p:extLst>
   </p:cSld>
   <p:clrMapOvr>
     <a:masterClrMapping/>
@@ -1922,14 +2008,16 @@
         </p:nvSpPr>
         <p:spPr/>
         <p:txBody>
-          <a:bodyPr>
-            <a:normAutofit/>
-          </a:bodyPr>
+          <a:bodyPr/>
           <a:lstStyle/>
           <a:p>
             <a:r>
               <a:rPr lang="ru-RU" dirty="0" smtClean="0"/>
-              <a:t>1</a:t>
+              <a:t>Конечный</a:t>
+            </a:r>
+            <a:r>
+              <a:rPr lang="ru-RU" baseline="0" dirty="0" smtClean="0"/>
+              <a:t> автомат</a:t>
             </a:r>
             <a:endParaRPr lang="ru-RU" dirty="0"/>
           </a:p>
@@ -1950,16 +2038,20 @@
           <a:bodyPr/>
           <a:lstStyle/>
           <a:p>
-            <a:fld id="{89329285-B0FC-44C9-9749-E258C7AB2264}" type="slidenum">
+            <a:fld id="{157BF7B5-07FD-41C6-B52E-88FFB2493B6A}" type="slidenum">
               <a:rPr lang="ru-RU" smtClean="0"/>
-              <a:pPr/>
-              <a:t>18</a:t>
+              <a:t>13</a:t>
             </a:fld>
             <a:endParaRPr lang="ru-RU"/>
           </a:p>
         </p:txBody>
       </p:sp>
     </p:spTree>
+    <p:extLst>
+      <p:ext uri="{BB962C8B-B14F-4D97-AF65-F5344CB8AC3E}">
+        <p14:creationId xmlns:p14="http://schemas.microsoft.com/office/powerpoint/2010/main" val="4038262181"/>
+      </p:ext>
+    </p:extLst>
   </p:cSld>
   <p:clrMapOvr>
     <a:masterClrMapping/>
@@ -2039,7 +2131,7 @@
             <a:fld id="{89329285-B0FC-44C9-9749-E258C7AB2264}" type="slidenum">
               <a:rPr lang="ru-RU" smtClean="0"/>
               <a:pPr/>
-              <a:t>19</a:t>
+              <a:t>18</a:t>
             </a:fld>
             <a:endParaRPr lang="ru-RU"/>
           </a:p>
@@ -2094,19 +2186,15 @@
         </p:nvSpPr>
         <p:spPr/>
         <p:txBody>
-          <a:bodyPr/>
+          <a:bodyPr>
+            <a:normAutofit/>
+          </a:bodyPr>
           <a:lstStyle/>
           <a:p>
             <a:r>
-              <a:rPr lang="en-US" dirty="0" smtClean="0"/>
-              <a:t>32 </a:t>
-            </a:r>
-            <a:r>
               <a:rPr lang="ru-RU" dirty="0" smtClean="0"/>
-              <a:t>мин</a:t>
-            </a:r>
-          </a:p>
-          <a:p>
+              <a:t>1</a:t>
+            </a:r>
             <a:endParaRPr lang="ru-RU" dirty="0"/>
           </a:p>
         </p:txBody>
@@ -2126,20 +2214,16 @@
           <a:bodyPr/>
           <a:lstStyle/>
           <a:p>
-            <a:fld id="{157BF7B5-07FD-41C6-B52E-88FFB2493B6A}" type="slidenum">
+            <a:fld id="{89329285-B0FC-44C9-9749-E258C7AB2264}" type="slidenum">
               <a:rPr lang="ru-RU" smtClean="0"/>
-              <a:t>24</a:t>
+              <a:pPr/>
+              <a:t>19</a:t>
             </a:fld>
             <a:endParaRPr lang="ru-RU"/>
           </a:p>
         </p:txBody>
       </p:sp>
     </p:spTree>
-    <p:extLst>
-      <p:ext uri="{BB962C8B-B14F-4D97-AF65-F5344CB8AC3E}">
-        <p14:creationId xmlns:p14="http://schemas.microsoft.com/office/powerpoint/2010/main" val="4055840239"/>
-      </p:ext>
-    </p:extLst>
   </p:cSld>
   <p:clrMapOvr>
     <a:masterClrMapping/>
@@ -2328,7 +2412,7 @@
           <a:p>
             <a:fld id="{60E86077-9C4C-4763-AB71-C67A4951E86D}" type="datetimeFigureOut">
               <a:rPr lang="ru-RU" smtClean="0"/>
-              <a:t>29.06.2014</a:t>
+              <a:t>03.07.2014</a:t>
             </a:fld>
             <a:endParaRPr lang="ru-RU"/>
           </a:p>
@@ -2505,7 +2589,7 @@
           <a:p>
             <a:fld id="{60E86077-9C4C-4763-AB71-C67A4951E86D}" type="datetimeFigureOut">
               <a:rPr lang="ru-RU" smtClean="0"/>
-              <a:t>29.06.2014</a:t>
+              <a:t>03.07.2014</a:t>
             </a:fld>
             <a:endParaRPr lang="ru-RU"/>
           </a:p>
@@ -2685,7 +2769,7 @@
           <a:p>
             <a:fld id="{60E86077-9C4C-4763-AB71-C67A4951E86D}" type="datetimeFigureOut">
               <a:rPr lang="ru-RU" smtClean="0"/>
-              <a:t>29.06.2014</a:t>
+              <a:t>03.07.2014</a:t>
             </a:fld>
             <a:endParaRPr lang="ru-RU"/>
           </a:p>
@@ -2855,7 +2939,7 @@
           <a:p>
             <a:fld id="{60E86077-9C4C-4763-AB71-C67A4951E86D}" type="datetimeFigureOut">
               <a:rPr lang="ru-RU" smtClean="0"/>
-              <a:t>29.06.2014</a:t>
+              <a:t>03.07.2014</a:t>
             </a:fld>
             <a:endParaRPr lang="ru-RU"/>
           </a:p>
@@ -3101,7 +3185,7 @@
           <a:p>
             <a:fld id="{60E86077-9C4C-4763-AB71-C67A4951E86D}" type="datetimeFigureOut">
               <a:rPr lang="ru-RU" smtClean="0"/>
-              <a:t>29.06.2014</a:t>
+              <a:t>03.07.2014</a:t>
             </a:fld>
             <a:endParaRPr lang="ru-RU"/>
           </a:p>
@@ -3389,7 +3473,7 @@
           <a:p>
             <a:fld id="{60E86077-9C4C-4763-AB71-C67A4951E86D}" type="datetimeFigureOut">
               <a:rPr lang="ru-RU" smtClean="0"/>
-              <a:t>29.06.2014</a:t>
+              <a:t>03.07.2014</a:t>
             </a:fld>
             <a:endParaRPr lang="ru-RU"/>
           </a:p>
@@ -3811,7 +3895,7 @@
           <a:p>
             <a:fld id="{60E86077-9C4C-4763-AB71-C67A4951E86D}" type="datetimeFigureOut">
               <a:rPr lang="ru-RU" smtClean="0"/>
-              <a:t>29.06.2014</a:t>
+              <a:t>03.07.2014</a:t>
             </a:fld>
             <a:endParaRPr lang="ru-RU"/>
           </a:p>
@@ -3929,7 +4013,7 @@
           <a:p>
             <a:fld id="{60E86077-9C4C-4763-AB71-C67A4951E86D}" type="datetimeFigureOut">
               <a:rPr lang="ru-RU" smtClean="0"/>
-              <a:t>29.06.2014</a:t>
+              <a:t>03.07.2014</a:t>
             </a:fld>
             <a:endParaRPr lang="ru-RU"/>
           </a:p>
@@ -4024,7 +4108,7 @@
           <a:p>
             <a:fld id="{60E86077-9C4C-4763-AB71-C67A4951E86D}" type="datetimeFigureOut">
               <a:rPr lang="ru-RU" smtClean="0"/>
-              <a:t>29.06.2014</a:t>
+              <a:t>03.07.2014</a:t>
             </a:fld>
             <a:endParaRPr lang="ru-RU"/>
           </a:p>
@@ -4301,7 +4385,7 @@
           <a:p>
             <a:fld id="{60E86077-9C4C-4763-AB71-C67A4951E86D}" type="datetimeFigureOut">
               <a:rPr lang="ru-RU" smtClean="0"/>
-              <a:t>29.06.2014</a:t>
+              <a:t>03.07.2014</a:t>
             </a:fld>
             <a:endParaRPr lang="ru-RU"/>
           </a:p>
@@ -4554,7 +4638,7 @@
           <a:p>
             <a:fld id="{60E86077-9C4C-4763-AB71-C67A4951E86D}" type="datetimeFigureOut">
               <a:rPr lang="ru-RU" smtClean="0"/>
-              <a:t>29.06.2014</a:t>
+              <a:t>03.07.2014</a:t>
             </a:fld>
             <a:endParaRPr lang="ru-RU"/>
           </a:p>
@@ -4767,7 +4851,7 @@
           <a:p>
             <a:fld id="{60E86077-9C4C-4763-AB71-C67A4951E86D}" type="datetimeFigureOut">
               <a:rPr lang="ru-RU" smtClean="0"/>
-              <a:t>29.06.2014</a:t>
+              <a:t>03.07.2014</a:t>
             </a:fld>
             <a:endParaRPr lang="ru-RU"/>
           </a:p>
@@ -25484,29 +25568,6 @@
       </p:grpSpPr>
       <p:sp>
         <p:nvSpPr>
-          <p:cNvPr id="2" name="Заголовок 1"/>
-          <p:cNvSpPr>
-            <a:spLocks noGrp="1"/>
-          </p:cNvSpPr>
-          <p:nvPr>
-            <p:ph type="title"/>
-          </p:nvPr>
-        </p:nvSpPr>
-        <p:spPr/>
-        <p:txBody>
-          <a:bodyPr/>
-          <a:lstStyle/>
-          <a:p>
-            <a:r>
-              <a:rPr lang="ru-RU" dirty="0" smtClean="0"/>
-              <a:t>Приоритеты</a:t>
-            </a:r>
-            <a:endParaRPr lang="ru-RU" dirty="0"/>
-          </a:p>
-        </p:txBody>
-      </p:sp>
-      <p:sp>
-        <p:nvSpPr>
           <p:cNvPr id="3" name="Объект 2"/>
           <p:cNvSpPr>
             <a:spLocks noGrp="1"/>
@@ -25845,11 +25906,7 @@
           <a:p>
             <a:r>
               <a:rPr lang="en-US" dirty="0" smtClean="0"/>
-              <a:t>Design by </a:t>
-            </a:r>
-            <a:r>
-              <a:rPr lang="en-US" dirty="0" smtClean="0"/>
-              <a:t>Contracts</a:t>
+              <a:t>Design by Contracts</a:t>
             </a:r>
             <a:r>
               <a:rPr lang="ru-RU" dirty="0" smtClean="0"/>
@@ -33175,19 +33232,7 @@
             </a:pPr>
             <a:r>
               <a:rPr lang="ru-RU" sz="2800" dirty="0" smtClean="0"/>
-              <a:t>Т.е. </a:t>
-            </a:r>
-            <a:r>
-              <a:rPr lang="ru-RU" sz="2800" dirty="0" smtClean="0"/>
-              <a:t>наследники </a:t>
-            </a:r>
-            <a:r>
-              <a:rPr lang="ru-RU" sz="2800" dirty="0" smtClean="0"/>
-              <a:t>требовать </a:t>
-            </a:r>
-            <a:r>
-              <a:rPr lang="ru-RU" sz="2800" dirty="0" smtClean="0"/>
-              <a:t>могут и меньше,</a:t>
+              <a:t>Т.е. наследники требовать могут и меньше,</a:t>
             </a:r>
             <a:r>
               <a:rPr lang="ru-RU" sz="2800" dirty="0"/>
@@ -33198,11 +33243,7 @@
             </a:br>
             <a:r>
               <a:rPr lang="ru-RU" sz="2800" dirty="0" smtClean="0"/>
-              <a:t>но обязаны сохранить все гарантии базового </a:t>
-            </a:r>
-            <a:r>
-              <a:rPr lang="ru-RU" sz="2800" dirty="0" smtClean="0"/>
-              <a:t>класса.</a:t>
+              <a:t>но обязаны сохранить все гарантии базового класса.</a:t>
             </a:r>
           </a:p>
           <a:p>
@@ -34032,7 +34073,7 @@
           <p:nvPr/>
         </p:nvPicPr>
         <p:blipFill>
-          <a:blip r:embed="rId2">
+          <a:blip r:embed="rId3">
             <a:extLst>
               <a:ext uri="{28A0092B-C50C-407E-A947-70E740481C1C}">
                 <a14:useLocalDpi xmlns:a14="http://schemas.microsoft.com/office/drawing/2010/main" val="0"/>
@@ -37458,7 +37499,7 @@
         <p:spPr>
           <a:xfrm>
             <a:off x="514627" y="4931876"/>
-            <a:ext cx="8215354" cy="369332"/>
+            <a:ext cx="8215354" cy="1200329"/>
           </a:xfrm>
           <a:prstGeom prst="rect">
             <a:avLst/>
@@ -37475,7 +37516,52 @@
               <a:rPr lang="en-US" dirty="0" smtClean="0">
                 <a:hlinkClick r:id="rId3"/>
               </a:rPr>
-              <a:t>http://objectmentor.com/resources/articles/Principles_and_Patterns.pdf</a:t>
+              <a:t>http://</a:t>
+            </a:r>
+            <a:r>
+              <a:rPr lang="en-US" dirty="0" smtClean="0">
+                <a:hlinkClick r:id="rId3"/>
+              </a:rPr>
+              <a:t>objectmentor.com/resources/articles/Principles_and_Patterns.pdf</a:t>
+            </a:r>
+            <a:endParaRPr lang="ru-RU" dirty="0" smtClean="0"/>
+          </a:p>
+          <a:p>
+            <a:pPr algn="ctr"/>
+            <a:endParaRPr lang="en-US" dirty="0" smtClean="0"/>
+          </a:p>
+          <a:p>
+            <a:pPr algn="ctr"/>
+            <a:r>
+              <a:rPr lang="en-US" dirty="0">
+                <a:hlinkClick r:id="rId4"/>
+              </a:rPr>
+              <a:t>https://groups.google.com/forum/?hl=en#!</a:t>
+            </a:r>
+            <a:r>
+              <a:rPr lang="en-US" dirty="0" smtClean="0">
+                <a:hlinkClick r:id="rId4"/>
+              </a:rPr>
+              <a:t>topic/comp.object/WICPDcXAMG8</a:t>
+            </a:r>
+            <a:r>
+              <a:rPr lang="en-US" dirty="0" smtClean="0"/>
+              <a:t>  </a:t>
+            </a:r>
+            <a:r>
+              <a:rPr lang="ru-RU" dirty="0" smtClean="0"/>
+              <a:t/>
+            </a:r>
+            <a:br>
+              <a:rPr lang="ru-RU" dirty="0" smtClean="0"/>
+            </a:br>
+            <a:r>
+              <a:rPr lang="en-US" dirty="0" smtClean="0"/>
+              <a:t>(95 </a:t>
+            </a:r>
+            <a:r>
+              <a:rPr lang="ru-RU" dirty="0" smtClean="0"/>
+              <a:t>год!!!)</a:t>
             </a:r>
             <a:endParaRPr lang="ru-RU" dirty="0"/>
           </a:p>
